--- a/docs/images/ChainLink Node Quick Start architecture diagram.pptx
+++ b/docs/images/ChainLink Node Quick Start architecture diagram.pptx
@@ -225,7 +225,7 @@
           <a:p>
             <a:fld id="{49A7721D-1176-A640-AC48-B82F78C92D56}" type="datetimeFigureOut">
               <a:rPr lang="en-US" smtClean="0"/>
-              <a:t>7/26/21</a:t>
+              <a:t>8/9/21</a:t>
             </a:fld>
             <a:endParaRPr lang="en-US" dirty="0"/>
           </a:p>
@@ -402,7 +402,7 @@
           <a:p>
             <a:fld id="{C884A089-FB25-6D46-9D21-F0F04A18BCA8}" type="datetimeFigureOut">
               <a:rPr lang="en-US" smtClean="0"/>
-              <a:t>7/26/21</a:t>
+              <a:t>8/9/21</a:t>
             </a:fld>
             <a:endParaRPr lang="en-US" dirty="0"/>
           </a:p>
@@ -667,6 +667,90 @@
     </a:lvl9pPr>
   </p:notesStyle>
 </p:notesMaster>
+</file>
+
+<file path=ppt/notesSlides/notesSlide1.xml><?xml version="1.0" encoding="utf-8"?>
+<p:notes xmlns:a="http://schemas.openxmlformats.org/drawingml/2006/main" xmlns:r="http://schemas.openxmlformats.org/officeDocument/2006/relationships" xmlns:p="http://schemas.openxmlformats.org/presentationml/2006/main">
+  <p:cSld>
+    <p:spTree>
+      <p:nvGrpSpPr>
+        <p:cNvPr id="1" name=""/>
+        <p:cNvGrpSpPr/>
+        <p:nvPr/>
+      </p:nvGrpSpPr>
+      <p:grpSpPr>
+        <a:xfrm>
+          <a:off x="0" y="0"/>
+          <a:ext cx="0" cy="0"/>
+          <a:chOff x="0" y="0"/>
+          <a:chExt cx="0" cy="0"/>
+        </a:xfrm>
+      </p:grpSpPr>
+      <p:sp>
+        <p:nvSpPr>
+          <p:cNvPr id="2" name="Slide Image Placeholder 1"/>
+          <p:cNvSpPr>
+            <a:spLocks noGrp="1" noRot="1" noChangeAspect="1"/>
+          </p:cNvSpPr>
+          <p:nvPr>
+            <p:ph type="sldImg"/>
+          </p:nvPr>
+        </p:nvSpPr>
+        <p:spPr/>
+      </p:sp>
+      <p:sp>
+        <p:nvSpPr>
+          <p:cNvPr id="3" name="Notes Placeholder 2"/>
+          <p:cNvSpPr>
+            <a:spLocks noGrp="1"/>
+          </p:cNvSpPr>
+          <p:nvPr>
+            <p:ph type="body" idx="1"/>
+          </p:nvPr>
+        </p:nvSpPr>
+        <p:spPr/>
+        <p:txBody>
+          <a:bodyPr/>
+          <a:lstStyle/>
+          <a:p>
+            <a:endParaRPr lang="en-US" dirty="0"/>
+          </a:p>
+        </p:txBody>
+      </p:sp>
+      <p:sp>
+        <p:nvSpPr>
+          <p:cNvPr id="4" name="Slide Number Placeholder 3"/>
+          <p:cNvSpPr>
+            <a:spLocks noGrp="1"/>
+          </p:cNvSpPr>
+          <p:nvPr>
+            <p:ph type="sldNum" sz="quarter" idx="5"/>
+          </p:nvPr>
+        </p:nvSpPr>
+        <p:spPr/>
+        <p:txBody>
+          <a:bodyPr/>
+          <a:lstStyle/>
+          <a:p>
+            <a:fld id="{F0F304BD-78E5-F743-9CDB-4BAC0F2E5AB7}" type="slidenum">
+              <a:rPr lang="en-US" smtClean="0"/>
+              <a:t>3</a:t>
+            </a:fld>
+            <a:endParaRPr lang="en-US" dirty="0"/>
+          </a:p>
+        </p:txBody>
+      </p:sp>
+    </p:spTree>
+    <p:extLst>
+      <p:ext uri="{BB962C8B-B14F-4D97-AF65-F5344CB8AC3E}">
+        <p14:creationId xmlns:p14="http://schemas.microsoft.com/office/powerpoint/2010/main" val="2302449063"/>
+      </p:ext>
+    </p:extLst>
+  </p:cSld>
+  <p:clrMapOvr>
+    <a:masterClrMapping/>
+  </p:clrMapOvr>
+</p:notes>
 </file>
 
 <file path=ppt/slideLayouts/slideLayout1.xml><?xml version="1.0" encoding="utf-8"?>
@@ -1296,6 +1380,11 @@
             <a:pPr algn="ctr"/>
             <a:r>
               <a:rPr lang="en-US" sz="1200" dirty="0">
+                <a:solidFill>
+                  <a:schemeClr val="bg1">
+                    <a:lumMod val="10000"/>
+                  </a:schemeClr>
+                </a:solidFill>
                 <a:latin typeface="Arial" panose="020B0604020202020204" pitchFamily="34" charset="0"/>
                 <a:cs typeface="Arial" panose="020B0604020202020204" pitchFamily="34" charset="0"/>
               </a:rPr>
@@ -1853,6 +1942,11 @@
             <a:pPr algn="ctr"/>
             <a:r>
               <a:rPr lang="en-US" sz="1200" dirty="0">
+                <a:solidFill>
+                  <a:schemeClr val="bg1">
+                    <a:lumMod val="10000"/>
+                  </a:schemeClr>
+                </a:solidFill>
                 <a:latin typeface="Arial" panose="020B0604020202020204" pitchFamily="34" charset="0"/>
                 <a:cs typeface="Arial" panose="020B0604020202020204" pitchFamily="34" charset="0"/>
               </a:rPr>
@@ -1964,6 +2058,11 @@
             <a:pPr algn="ctr"/>
             <a:r>
               <a:rPr lang="en-US" sz="1200" dirty="0">
+                <a:solidFill>
+                  <a:schemeClr val="bg1">
+                    <a:lumMod val="10000"/>
+                  </a:schemeClr>
+                </a:solidFill>
                 <a:latin typeface="Arial" panose="020B0604020202020204" pitchFamily="34" charset="0"/>
                 <a:cs typeface="Arial" panose="020B0604020202020204" pitchFamily="34" charset="0"/>
               </a:rPr>
@@ -2003,6 +2102,11 @@
             <a:pPr algn="ctr"/>
             <a:r>
               <a:rPr lang="en-US" sz="1200" dirty="0">
+                <a:solidFill>
+                  <a:schemeClr val="bg1">
+                    <a:lumMod val="10000"/>
+                  </a:schemeClr>
+                </a:solidFill>
                 <a:latin typeface="Arial" panose="020B0604020202020204" pitchFamily="34" charset="0"/>
                 <a:cs typeface="Arial" panose="020B0604020202020204" pitchFamily="34" charset="0"/>
               </a:rPr>
@@ -2286,6 +2390,11 @@
             <a:pPr algn="ctr"/>
             <a:r>
               <a:rPr lang="en-US" sz="1200" dirty="0">
+                <a:solidFill>
+                  <a:schemeClr val="bg1">
+                    <a:lumMod val="10000"/>
+                  </a:schemeClr>
+                </a:solidFill>
                 <a:latin typeface="Arial" panose="020B0604020202020204" pitchFamily="34" charset="0"/>
                 <a:cs typeface="Arial" panose="020B0604020202020204" pitchFamily="34" charset="0"/>
               </a:rPr>
@@ -3056,11 +3165,18 @@
             <a:p>
               <a:pPr algn="ctr"/>
               <a:r>
+                <a:rPr lang="en-US" sz="1200" dirty="0" err="1">
+                  <a:latin typeface="Arial" panose="020B0604020202020204" pitchFamily="34" charset="0"/>
+                  <a:cs typeface="Arial" panose="020B0604020202020204" pitchFamily="34" charset="0"/>
+                </a:rPr>
+                <a:t>Chainlink</a:t>
+              </a:r>
+              <a:r>
                 <a:rPr lang="en-US" sz="1200" dirty="0">
                   <a:latin typeface="Arial" panose="020B0604020202020204" pitchFamily="34" charset="0"/>
                   <a:cs typeface="Arial" panose="020B0604020202020204" pitchFamily="34" charset="0"/>
                 </a:rPr>
-                <a:t>ChainLink Node</a:t>
+                <a:t> node</a:t>
               </a:r>
             </a:p>
           </p:txBody>
@@ -3301,11 +3417,23 @@
             <a:p>
               <a:pPr algn="ctr"/>
               <a:r>
+                <a:rPr lang="en-US" sz="1200" dirty="0" err="1">
+                  <a:solidFill>
+                    <a:schemeClr val="bg1">
+                      <a:lumMod val="10000"/>
+                    </a:schemeClr>
+                  </a:solidFill>
+                  <a:latin typeface="Arial" panose="020B0604020202020204" pitchFamily="34" charset="0"/>
+                  <a:cs typeface="Arial" panose="020B0604020202020204" pitchFamily="34" charset="0"/>
+                </a:rPr>
+                <a:t>Chainlink</a:t>
+              </a:r>
+              <a:r>
                 <a:rPr lang="en-US" sz="1200" dirty="0">
                   <a:latin typeface="Arial" panose="020B0604020202020204" pitchFamily="34" charset="0"/>
                   <a:cs typeface="Arial" panose="020B0604020202020204" pitchFamily="34" charset="0"/>
                 </a:rPr>
-                <a:t>ChainLink Node</a:t>
+                <a:t> node</a:t>
               </a:r>
             </a:p>
           </p:txBody>
@@ -4476,6 +4604,11 @@
               <a:pPr algn="ctr"/>
               <a:r>
                 <a:rPr lang="en-US" sz="1200" dirty="0">
+                  <a:solidFill>
+                    <a:schemeClr val="bg1">
+                      <a:lumMod val="10000"/>
+                    </a:schemeClr>
+                  </a:solidFill>
                   <a:latin typeface="Arial" panose="020B0604020202020204" pitchFamily="34" charset="0"/>
                   <a:cs typeface="Arial" panose="020B0604020202020204" pitchFamily="34" charset="0"/>
                 </a:rPr>
@@ -4747,6 +4880,42 @@
           </p:spPr>
         </p:pic>
       </p:grpSp>
+      <p:pic>
+        <p:nvPicPr>
+          <p:cNvPr id="75" name="Graphic 74">
+            <a:extLst>
+              <a:ext uri="{FF2B5EF4-FFF2-40B4-BE49-F238E27FC236}">
+                <a16:creationId xmlns:a16="http://schemas.microsoft.com/office/drawing/2014/main" id="{9DC496A6-760D-F84F-8F6C-AAE325B41802}"/>
+              </a:ext>
+            </a:extLst>
+          </p:cNvPr>
+          <p:cNvPicPr>
+            <a:picLocks noChangeAspect="1"/>
+          </p:cNvPicPr>
+          <p:nvPr/>
+        </p:nvPicPr>
+        <p:blipFill>
+          <a:blip r:embed="rId4">
+            <a:extLst>
+              <a:ext uri="{96DAC541-7B7A-43D3-8B79-37D633B846F1}">
+                <asvg:svgBlip xmlns:asvg="http://schemas.microsoft.com/office/drawing/2016/SVG/main" r:embed="rId5"/>
+              </a:ext>
+            </a:extLst>
+          </a:blip>
+          <a:stretch>
+            <a:fillRect/>
+          </a:stretch>
+        </p:blipFill>
+        <p:spPr>
+          <a:xfrm>
+            <a:off x="4657956" y="3573197"/>
+            <a:ext cx="330200" cy="330200"/>
+          </a:xfrm>
+          <a:prstGeom prst="rect">
+            <a:avLst/>
+          </a:prstGeom>
+        </p:spPr>
+      </p:pic>
     </p:spTree>
     <p:extLst>
       <p:ext uri="{BB962C8B-B14F-4D97-AF65-F5344CB8AC3E}">
@@ -4869,11 +5038,11 @@
           <p:nvPr/>
         </p:nvPicPr>
         <p:blipFill>
-          <a:blip r:embed="rId2">
+          <a:blip r:embed="rId3">
             <a:extLst>
               <a:ext uri="{BEBA8EAE-BF5A-486C-A8C5-ECC9F3942E4B}">
                 <a14:imgProps xmlns:a14="http://schemas.microsoft.com/office/drawing/2010/main">
-                  <a14:imgLayer r:embed="rId3">
+                  <a14:imgLayer r:embed="rId4">
                     <a14:imgEffect>
                       <a14:artisticBlur/>
                     </a14:imgEffect>
@@ -5294,10 +5463,10 @@
           <p:nvPr/>
         </p:nvPicPr>
         <p:blipFill>
-          <a:blip r:embed="rId4">
+          <a:blip r:embed="rId5">
             <a:extLst>
               <a:ext uri="{96DAC541-7B7A-43D3-8B79-37D633B846F1}">
-                <asvg:svgBlip xmlns:asvg="http://schemas.microsoft.com/office/drawing/2016/SVG/main" r:embed="rId5"/>
+                <asvg:svgBlip xmlns:asvg="http://schemas.microsoft.com/office/drawing/2016/SVG/main" r:embed="rId6"/>
               </a:ext>
             </a:extLst>
           </a:blip>
@@ -5330,10 +5499,10 @@
           <p:nvPr/>
         </p:nvPicPr>
         <p:blipFill>
-          <a:blip r:embed="rId6">
+          <a:blip r:embed="rId7">
             <a:extLst>
               <a:ext uri="{96DAC541-7B7A-43D3-8B79-37D633B846F1}">
-                <asvg:svgBlip xmlns:asvg="http://schemas.microsoft.com/office/drawing/2016/SVG/main" r:embed="rId7"/>
+                <asvg:svgBlip xmlns:asvg="http://schemas.microsoft.com/office/drawing/2016/SVG/main" r:embed="rId8"/>
               </a:ext>
             </a:extLst>
           </a:blip>
@@ -5366,10 +5535,10 @@
           <p:nvPr/>
         </p:nvPicPr>
         <p:blipFill>
-          <a:blip r:embed="rId8">
+          <a:blip r:embed="rId9">
             <a:extLst>
               <a:ext uri="{96DAC541-7B7A-43D3-8B79-37D633B846F1}">
-                <asvg:svgBlip xmlns:asvg="http://schemas.microsoft.com/office/drawing/2016/SVG/main" r:embed="rId9"/>
+                <asvg:svgBlip xmlns:asvg="http://schemas.microsoft.com/office/drawing/2016/SVG/main" r:embed="rId10"/>
               </a:ext>
             </a:extLst>
           </a:blip>
@@ -5402,10 +5571,10 @@
           <p:nvPr/>
         </p:nvPicPr>
         <p:blipFill>
-          <a:blip r:embed="rId10">
+          <a:blip r:embed="rId11">
             <a:extLst>
               <a:ext uri="{96DAC541-7B7A-43D3-8B79-37D633B846F1}">
-                <asvg:svgBlip xmlns:asvg="http://schemas.microsoft.com/office/drawing/2016/SVG/main" r:embed="rId11"/>
+                <asvg:svgBlip xmlns:asvg="http://schemas.microsoft.com/office/drawing/2016/SVG/main" r:embed="rId12"/>
               </a:ext>
             </a:extLst>
           </a:blip>
@@ -5480,10 +5649,10 @@
           <p:nvPr/>
         </p:nvPicPr>
         <p:blipFill>
-          <a:blip r:embed="rId12">
+          <a:blip r:embed="rId13">
             <a:extLst>
               <a:ext uri="{96DAC541-7B7A-43D3-8B79-37D633B846F1}">
-                <asvg:svgBlip xmlns:asvg="http://schemas.microsoft.com/office/drawing/2016/SVG/main" r:embed="rId13"/>
+                <asvg:svgBlip xmlns:asvg="http://schemas.microsoft.com/office/drawing/2016/SVG/main" r:embed="rId14"/>
               </a:ext>
             </a:extLst>
           </a:blip>
@@ -5516,10 +5685,10 @@
           <p:nvPr/>
         </p:nvPicPr>
         <p:blipFill>
-          <a:blip r:embed="rId14">
+          <a:blip r:embed="rId15">
             <a:extLst>
               <a:ext uri="{96DAC541-7B7A-43D3-8B79-37D633B846F1}">
-                <asvg:svgBlip xmlns:asvg="http://schemas.microsoft.com/office/drawing/2016/SVG/main" r:embed="rId15"/>
+                <asvg:svgBlip xmlns:asvg="http://schemas.microsoft.com/office/drawing/2016/SVG/main" r:embed="rId16"/>
               </a:ext>
             </a:extLst>
           </a:blip>
@@ -5636,10 +5805,10 @@
           <p:nvPr/>
         </p:nvPicPr>
         <p:blipFill>
-          <a:blip r:embed="rId16">
+          <a:blip r:embed="rId17">
             <a:extLst>
               <a:ext uri="{96DAC541-7B7A-43D3-8B79-37D633B846F1}">
-                <asvg:svgBlip xmlns:asvg="http://schemas.microsoft.com/office/drawing/2016/SVG/main" r:embed="rId17"/>
+                <asvg:svgBlip xmlns:asvg="http://schemas.microsoft.com/office/drawing/2016/SVG/main" r:embed="rId18"/>
               </a:ext>
             </a:extLst>
           </a:blip>
@@ -5808,10 +5977,10 @@
           <p:nvPr/>
         </p:nvPicPr>
         <p:blipFill>
-          <a:blip r:embed="rId8">
+          <a:blip r:embed="rId9">
             <a:extLst>
               <a:ext uri="{96DAC541-7B7A-43D3-8B79-37D633B846F1}">
-                <asvg:svgBlip xmlns:asvg="http://schemas.microsoft.com/office/drawing/2016/SVG/main" r:embed="rId9"/>
+                <asvg:svgBlip xmlns:asvg="http://schemas.microsoft.com/office/drawing/2016/SVG/main" r:embed="rId10"/>
               </a:ext>
             </a:extLst>
           </a:blip>
@@ -5844,10 +6013,10 @@
           <p:nvPr/>
         </p:nvPicPr>
         <p:blipFill>
-          <a:blip r:embed="rId10">
+          <a:blip r:embed="rId11">
             <a:extLst>
               <a:ext uri="{96DAC541-7B7A-43D3-8B79-37D633B846F1}">
-                <asvg:svgBlip xmlns:asvg="http://schemas.microsoft.com/office/drawing/2016/SVG/main" r:embed="rId11"/>
+                <asvg:svgBlip xmlns:asvg="http://schemas.microsoft.com/office/drawing/2016/SVG/main" r:embed="rId12"/>
               </a:ext>
             </a:extLst>
           </a:blip>
@@ -5922,10 +6091,10 @@
           <p:nvPr/>
         </p:nvPicPr>
         <p:blipFill>
-          <a:blip r:embed="rId12">
+          <a:blip r:embed="rId13">
             <a:extLst>
               <a:ext uri="{96DAC541-7B7A-43D3-8B79-37D633B846F1}">
-                <asvg:svgBlip xmlns:asvg="http://schemas.microsoft.com/office/drawing/2016/SVG/main" r:embed="rId13"/>
+                <asvg:svgBlip xmlns:asvg="http://schemas.microsoft.com/office/drawing/2016/SVG/main" r:embed="rId14"/>
               </a:ext>
             </a:extLst>
           </a:blip>
@@ -6132,7 +6301,7 @@
           <p:nvPr/>
         </p:nvPicPr>
         <p:blipFill>
-          <a:blip r:embed="rId18">
+          <a:blip r:embed="rId19">
             <a:extLst>
               <a:ext uri="{28A0092B-C50C-407E-A947-70E740481C1C}">
                 <a14:useLocalDpi xmlns:a14="http://schemas.microsoft.com/office/drawing/2010/main" val="0"/>
@@ -6192,7 +6361,7 @@
           <p:nvPr/>
         </p:nvPicPr>
         <p:blipFill>
-          <a:blip r:embed="rId18">
+          <a:blip r:embed="rId19">
             <a:extLst>
               <a:ext uri="{28A0092B-C50C-407E-A947-70E740481C1C}">
                 <a14:useLocalDpi xmlns:a14="http://schemas.microsoft.com/office/drawing/2010/main" val="0"/>
@@ -6657,14 +6826,24 @@
             <a:p>
               <a:pPr algn="ctr"/>
               <a:r>
-                <a:rPr lang="en-US" sz="1200" dirty="0">
+                <a:rPr lang="en-US" sz="1200" dirty="0" err="1">
                   <a:solidFill>
                     <a:schemeClr val="bg1"/>
                   </a:solidFill>
                   <a:latin typeface="Arial" panose="020B0604020202020204" pitchFamily="34" charset="0"/>
                   <a:cs typeface="Arial" panose="020B0604020202020204" pitchFamily="34" charset="0"/>
                 </a:rPr>
-                <a:t>ChainLink Node</a:t>
+                <a:t>Chainlink</a:t>
+              </a:r>
+              <a:r>
+                <a:rPr lang="en-US" sz="1200" dirty="0">
+                  <a:solidFill>
+                    <a:schemeClr val="bg1"/>
+                  </a:solidFill>
+                  <a:latin typeface="Arial" panose="020B0604020202020204" pitchFamily="34" charset="0"/>
+                  <a:cs typeface="Arial" panose="020B0604020202020204" pitchFamily="34" charset="0"/>
+                </a:rPr>
+                <a:t> node</a:t>
               </a:r>
             </a:p>
           </p:txBody>
@@ -6751,7 +6930,7 @@
             <p:nvPr/>
           </p:nvPicPr>
           <p:blipFill>
-            <a:blip r:embed="rId19">
+            <a:blip r:embed="rId20">
               <a:extLst>
                 <a:ext uri="{28A0092B-C50C-407E-A947-70E740481C1C}">
                   <a14:useLocalDpi xmlns:a14="http://schemas.microsoft.com/office/drawing/2010/main" val="0"/>
@@ -6811,10 +6990,10 @@
             <p:nvPr/>
           </p:nvPicPr>
           <p:blipFill>
-            <a:blip r:embed="rId20">
+            <a:blip r:embed="rId21">
               <a:extLst>
                 <a:ext uri="{96DAC541-7B7A-43D3-8B79-37D633B846F1}">
-                  <asvg:svgBlip xmlns:asvg="http://schemas.microsoft.com/office/drawing/2016/SVG/main" r:embed="rId21"/>
+                  <asvg:svgBlip xmlns:asvg="http://schemas.microsoft.com/office/drawing/2016/SVG/main" r:embed="rId22"/>
                 </a:ext>
               </a:extLst>
             </a:blip>
@@ -6905,14 +7084,24 @@
             <a:p>
               <a:pPr algn="ctr"/>
               <a:r>
-                <a:rPr lang="en-US" sz="1200" dirty="0">
+                <a:rPr lang="en-US" sz="1200" dirty="0" err="1">
                   <a:solidFill>
                     <a:schemeClr val="bg1"/>
                   </a:solidFill>
                   <a:latin typeface="Arial" panose="020B0604020202020204" pitchFamily="34" charset="0"/>
                   <a:cs typeface="Arial" panose="020B0604020202020204" pitchFamily="34" charset="0"/>
                 </a:rPr>
-                <a:t>ChainLink Node</a:t>
+                <a:t>Chainlink</a:t>
+              </a:r>
+              <a:r>
+                <a:rPr lang="en-US" sz="1200" dirty="0">
+                  <a:solidFill>
+                    <a:schemeClr val="bg1"/>
+                  </a:solidFill>
+                  <a:latin typeface="Arial" panose="020B0604020202020204" pitchFamily="34" charset="0"/>
+                  <a:cs typeface="Arial" panose="020B0604020202020204" pitchFamily="34" charset="0"/>
+                </a:rPr>
+                <a:t> node</a:t>
               </a:r>
             </a:p>
           </p:txBody>
@@ -6999,7 +7188,7 @@
             <p:nvPr/>
           </p:nvPicPr>
           <p:blipFill>
-            <a:blip r:embed="rId19">
+            <a:blip r:embed="rId20">
               <a:extLst>
                 <a:ext uri="{28A0092B-C50C-407E-A947-70E740481C1C}">
                   <a14:useLocalDpi xmlns:a14="http://schemas.microsoft.com/office/drawing/2010/main" val="0"/>
@@ -7059,10 +7248,10 @@
             <p:nvPr/>
           </p:nvPicPr>
           <p:blipFill>
-            <a:blip r:embed="rId20">
+            <a:blip r:embed="rId21">
               <a:extLst>
                 <a:ext uri="{96DAC541-7B7A-43D3-8B79-37D633B846F1}">
-                  <asvg:svgBlip xmlns:asvg="http://schemas.microsoft.com/office/drawing/2016/SVG/main" r:embed="rId21"/>
+                  <asvg:svgBlip xmlns:asvg="http://schemas.microsoft.com/office/drawing/2016/SVG/main" r:embed="rId22"/>
                 </a:ext>
               </a:extLst>
             </a:blip>
@@ -7118,7 +7307,7 @@
           <p:nvPr/>
         </p:nvPicPr>
         <p:blipFill>
-          <a:blip r:embed="rId22">
+          <a:blip r:embed="rId23">
             <a:extLst>
               <a:ext uri="{28A0092B-C50C-407E-A947-70E740481C1C}">
                 <a14:useLocalDpi xmlns:a14="http://schemas.microsoft.com/office/drawing/2010/main" val="0"/>
@@ -7362,7 +7551,7 @@
             <p:nvPr/>
           </p:nvPicPr>
           <p:blipFill>
-            <a:blip r:embed="rId23">
+            <a:blip r:embed="rId24">
               <a:extLst>
                 <a:ext uri="{28A0092B-C50C-407E-A947-70E740481C1C}">
                   <a14:useLocalDpi xmlns:a14="http://schemas.microsoft.com/office/drawing/2010/main" val="0"/>
@@ -7607,7 +7796,7 @@
             <p:nvPr/>
           </p:nvPicPr>
           <p:blipFill>
-            <a:blip r:embed="rId24">
+            <a:blip r:embed="rId25">
               <a:extLst>
                 <a:ext uri="{28A0092B-C50C-407E-A947-70E740481C1C}">
                   <a14:useLocalDpi xmlns:a14="http://schemas.microsoft.com/office/drawing/2010/main" val="0"/>
@@ -7831,7 +8020,7 @@
             <p:nvPr/>
           </p:nvPicPr>
           <p:blipFill>
-            <a:blip r:embed="rId25">
+            <a:blip r:embed="rId26">
               <a:extLst>
                 <a:ext uri="{28A0092B-C50C-407E-A947-70E740481C1C}">
                   <a14:useLocalDpi xmlns:a14="http://schemas.microsoft.com/office/drawing/2010/main" val="0"/>
@@ -8055,7 +8244,7 @@
             <p:nvPr/>
           </p:nvPicPr>
           <p:blipFill>
-            <a:blip r:embed="rId26">
+            <a:blip r:embed="rId27">
               <a:extLst>
                 <a:ext uri="{28A0092B-C50C-407E-A947-70E740481C1C}">
                   <a14:useLocalDpi xmlns:a14="http://schemas.microsoft.com/office/drawing/2010/main" val="0"/>
@@ -8157,7 +8346,7 @@
             <p:nvPr/>
           </p:nvPicPr>
           <p:blipFill>
-            <a:blip r:embed="rId27">
+            <a:blip r:embed="rId28">
               <a:extLst>
                 <a:ext uri="{28A0092B-C50C-407E-A947-70E740481C1C}">
                   <a14:useLocalDpi xmlns:a14="http://schemas.microsoft.com/office/drawing/2010/main" val="0"/>
@@ -8381,10 +8570,10 @@
             <p:nvPr/>
           </p:nvPicPr>
           <p:blipFill>
-            <a:blip r:embed="rId28">
+            <a:blip r:embed="rId29">
               <a:extLst>
                 <a:ext uri="{96DAC541-7B7A-43D3-8B79-37D633B846F1}">
-                  <asvg:svgBlip xmlns:asvg="http://schemas.microsoft.com/office/drawing/2016/SVG/main" r:embed="rId29"/>
+                  <asvg:svgBlip xmlns:asvg="http://schemas.microsoft.com/office/drawing/2016/SVG/main" r:embed="rId30"/>
                 </a:ext>
               </a:extLst>
             </a:blip>
@@ -8403,6 +8592,42 @@
           </p:spPr>
         </p:pic>
       </p:grpSp>
+      <p:pic>
+        <p:nvPicPr>
+          <p:cNvPr id="62" name="Graphic 61">
+            <a:extLst>
+              <a:ext uri="{FF2B5EF4-FFF2-40B4-BE49-F238E27FC236}">
+                <a16:creationId xmlns:a16="http://schemas.microsoft.com/office/drawing/2014/main" id="{3D5D8B7E-63FC-CE48-A97B-35924ECEBB06}"/>
+              </a:ext>
+            </a:extLst>
+          </p:cNvPr>
+          <p:cNvPicPr>
+            <a:picLocks noChangeAspect="1"/>
+          </p:cNvPicPr>
+          <p:nvPr/>
+        </p:nvPicPr>
+        <p:blipFill>
+          <a:blip r:embed="rId5">
+            <a:extLst>
+              <a:ext uri="{96DAC541-7B7A-43D3-8B79-37D633B846F1}">
+                <asvg:svgBlip xmlns:asvg="http://schemas.microsoft.com/office/drawing/2016/SVG/main" r:embed="rId6"/>
+              </a:ext>
+            </a:extLst>
+          </a:blip>
+          <a:stretch>
+            <a:fillRect/>
+          </a:stretch>
+        </p:blipFill>
+        <p:spPr>
+          <a:xfrm>
+            <a:off x="4661538" y="3595030"/>
+            <a:ext cx="330200" cy="330200"/>
+          </a:xfrm>
+          <a:prstGeom prst="rect">
+            <a:avLst/>
+          </a:prstGeom>
+        </p:spPr>
+      </p:pic>
     </p:spTree>
     <p:extLst>
       <p:ext uri="{BB962C8B-B14F-4D97-AF65-F5344CB8AC3E}">
